--- a/project_phase2/project presentation/Project Final B.pptx
+++ b/project_phase2/project presentation/Project Final B.pptx
@@ -26222,8 +26222,8 @@
         </p:nvSpPr>
         <p:spPr bwMode="auto">
           <a:xfrm>
-            <a:off x="732178" y="2821154"/>
-            <a:ext cx="7335663" cy="1200329"/>
+            <a:off x="732178" y="2451823"/>
+            <a:ext cx="8209299" cy="1938992"/>
           </a:xfrm>
           <a:prstGeom prst="rect">
             <a:avLst/>
@@ -26283,6 +26283,71 @@
               </a:spcAft>
             </a:pPr>
             <a:r>
+              <a:rPr lang="en-US" altLang="en-IL" sz="2400" dirty="0">
+                <a:latin typeface="Times New Roman" panose="02020603050405020304" pitchFamily="18" charset="0"/>
+                <a:cs typeface="Times New Roman" panose="02020603050405020304" pitchFamily="18" charset="0"/>
+              </a:rPr>
+              <a:t>Re</a:t>
+            </a:r>
+            <a:r>
+              <a:rPr lang="en-GB" altLang="en-IL" sz="2400" dirty="0">
+                <a:latin typeface="Times New Roman" panose="02020603050405020304" pitchFamily="18" charset="0"/>
+                <a:cs typeface="Times New Roman" panose="02020603050405020304" pitchFamily="18" charset="0"/>
+              </a:rPr>
+              <a:t>p</a:t>
+            </a:r>
+            <a:r>
+              <a:rPr lang="en-GB" sz="2400" dirty="0">
+                <a:latin typeface="Times New Roman" panose="02020603050405020304" pitchFamily="18" charset="0"/>
+                <a:cs typeface="Times New Roman" panose="02020603050405020304" pitchFamily="18" charset="0"/>
+              </a:rPr>
+              <a:t>repare and submit the findings for publication once more</a:t>
+            </a:r>
+            <a:endParaRPr lang="en-US" altLang="en-IL" sz="2400" dirty="0">
+              <a:latin typeface="Times New Roman" panose="02020603050405020304" pitchFamily="18" charset="0"/>
+              <a:cs typeface="Times New Roman" panose="02020603050405020304" pitchFamily="18" charset="0"/>
+            </a:endParaRPr>
+          </a:p>
+          <a:p>
+            <a:pPr eaLnBrk="0" fontAlgn="base" hangingPunct="0">
+              <a:lnSpc>
+                <a:spcPct val="100000"/>
+              </a:lnSpc>
+              <a:spcBef>
+                <a:spcPct val="0"/>
+              </a:spcBef>
+              <a:spcAft>
+                <a:spcPct val="0"/>
+              </a:spcAft>
+            </a:pPr>
+            <a:r>
+              <a:rPr kumimoji="0" lang="en-US" altLang="en-IL" sz="2400" b="0" i="0" u="none" strike="noStrike" cap="none" normalizeH="0" baseline="0" dirty="0">
+                <a:ln>
+                  <a:noFill/>
+                </a:ln>
+                <a:solidFill>
+                  <a:schemeClr val="tx1"/>
+                </a:solidFill>
+                <a:effectLst/>
+                <a:latin typeface="Times New Roman" panose="02020603050405020304" pitchFamily="18" charset="0"/>
+                <a:cs typeface="Times New Roman" panose="02020603050405020304" pitchFamily="18" charset="0"/>
+              </a:rPr>
+              <a:t>Integration with time of closest approach computation software</a:t>
+            </a:r>
+          </a:p>
+          <a:p>
+            <a:pPr eaLnBrk="0" fontAlgn="base" hangingPunct="0">
+              <a:lnSpc>
+                <a:spcPct val="100000"/>
+              </a:lnSpc>
+              <a:spcBef>
+                <a:spcPct val="0"/>
+              </a:spcBef>
+              <a:spcAft>
+                <a:spcPct val="0"/>
+              </a:spcAft>
+            </a:pPr>
+            <a:r>
               <a:rPr kumimoji="0" lang="en-IL" altLang="en-IL" sz="2400" b="0" i="0" u="none" strike="noStrike" cap="none" normalizeH="0" baseline="0" dirty="0">
                 <a:ln>
                   <a:noFill/>
@@ -26359,8 +26424,19 @@
                 <a:latin typeface="Times New Roman" panose="02020603050405020304" pitchFamily="18" charset="0"/>
                 <a:cs typeface="Times New Roman" panose="02020603050405020304" pitchFamily="18" charset="0"/>
               </a:rPr>
-              <a:t>Refine algorithms for onboard satellite implementation. </a:t>
-            </a:r>
+              <a:t>Refine algorithms for onboard satellite implementation.</a:t>
+            </a:r>
+            <a:endParaRPr kumimoji="0" lang="ar-DZ" altLang="en-IL" sz="2400" b="0" i="0" u="none" strike="noStrike" cap="none" normalizeH="0" baseline="0" dirty="0">
+              <a:ln>
+                <a:noFill/>
+              </a:ln>
+              <a:solidFill>
+                <a:schemeClr val="tx1"/>
+              </a:solidFill>
+              <a:effectLst/>
+              <a:latin typeface="Times New Roman" panose="02020603050405020304" pitchFamily="18" charset="0"/>
+              <a:cs typeface="Times New Roman" panose="02020603050405020304" pitchFamily="18" charset="0"/>
+            </a:endParaRPr>
           </a:p>
         </p:txBody>
       </p:sp>

--- a/project_phase2/project presentation/Project Final B.pptx
+++ b/project_phase2/project presentation/Project Final B.pptx
@@ -219,7 +219,7 @@
           <a:p>
             <a:fld id="{9782C575-03A1-41E5-8DAB-28FF6A18294E}" type="datetimeFigureOut">
               <a:rPr lang="en-US" smtClean="0"/>
-              <a:t>1/19/2025</a:t>
+              <a:t>1/25/2025</a:t>
             </a:fld>
             <a:endParaRPr lang="en-US"/>
           </a:p>
@@ -2409,7 +2409,7 @@
           <a:p>
             <a:fld id="{B59CE501-2A04-4213-AF2C-9D22AC1421F1}" type="datetimeFigureOut">
               <a:rPr lang="en-US" smtClean="0"/>
-              <a:t>1/19/2025</a:t>
+              <a:t>1/25/2025</a:t>
             </a:fld>
             <a:endParaRPr lang="en-US"/>
           </a:p>
@@ -2607,7 +2607,7 @@
           <a:p>
             <a:fld id="{B59CE501-2A04-4213-AF2C-9D22AC1421F1}" type="datetimeFigureOut">
               <a:rPr lang="en-US" smtClean="0"/>
-              <a:t>1/19/2025</a:t>
+              <a:t>1/25/2025</a:t>
             </a:fld>
             <a:endParaRPr lang="en-US"/>
           </a:p>
@@ -2815,7 +2815,7 @@
           <a:p>
             <a:fld id="{B59CE501-2A04-4213-AF2C-9D22AC1421F1}" type="datetimeFigureOut">
               <a:rPr lang="en-US" smtClean="0"/>
-              <a:t>1/19/2025</a:t>
+              <a:t>1/25/2025</a:t>
             </a:fld>
             <a:endParaRPr lang="en-US"/>
           </a:p>
@@ -3013,7 +3013,7 @@
           <a:p>
             <a:fld id="{B59CE501-2A04-4213-AF2C-9D22AC1421F1}" type="datetimeFigureOut">
               <a:rPr lang="en-US" smtClean="0"/>
-              <a:t>1/19/2025</a:t>
+              <a:t>1/25/2025</a:t>
             </a:fld>
             <a:endParaRPr lang="en-US"/>
           </a:p>
@@ -3288,7 +3288,7 @@
           <a:p>
             <a:fld id="{B59CE501-2A04-4213-AF2C-9D22AC1421F1}" type="datetimeFigureOut">
               <a:rPr lang="en-US" smtClean="0"/>
-              <a:t>1/19/2025</a:t>
+              <a:t>1/25/2025</a:t>
             </a:fld>
             <a:endParaRPr lang="en-US"/>
           </a:p>
@@ -3553,7 +3553,7 @@
           <a:p>
             <a:fld id="{B59CE501-2A04-4213-AF2C-9D22AC1421F1}" type="datetimeFigureOut">
               <a:rPr lang="en-US" smtClean="0"/>
-              <a:t>1/19/2025</a:t>
+              <a:t>1/25/2025</a:t>
             </a:fld>
             <a:endParaRPr lang="en-US"/>
           </a:p>
@@ -3965,7 +3965,7 @@
           <a:p>
             <a:fld id="{B59CE501-2A04-4213-AF2C-9D22AC1421F1}" type="datetimeFigureOut">
               <a:rPr lang="en-US" smtClean="0"/>
-              <a:t>1/19/2025</a:t>
+              <a:t>1/25/2025</a:t>
             </a:fld>
             <a:endParaRPr lang="en-US"/>
           </a:p>
@@ -4106,7 +4106,7 @@
           <a:p>
             <a:fld id="{B59CE501-2A04-4213-AF2C-9D22AC1421F1}" type="datetimeFigureOut">
               <a:rPr lang="en-US" smtClean="0"/>
-              <a:t>1/19/2025</a:t>
+              <a:t>1/25/2025</a:t>
             </a:fld>
             <a:endParaRPr lang="en-US"/>
           </a:p>
@@ -4219,7 +4219,7 @@
           <a:p>
             <a:fld id="{B59CE501-2A04-4213-AF2C-9D22AC1421F1}" type="datetimeFigureOut">
               <a:rPr lang="en-US" smtClean="0"/>
-              <a:t>1/19/2025</a:t>
+              <a:t>1/25/2025</a:t>
             </a:fld>
             <a:endParaRPr lang="en-US"/>
           </a:p>
@@ -4530,7 +4530,7 @@
           <a:p>
             <a:fld id="{B59CE501-2A04-4213-AF2C-9D22AC1421F1}" type="datetimeFigureOut">
               <a:rPr lang="en-US" smtClean="0"/>
-              <a:t>1/19/2025</a:t>
+              <a:t>1/25/2025</a:t>
             </a:fld>
             <a:endParaRPr lang="en-US"/>
           </a:p>
@@ -4818,7 +4818,7 @@
           <a:p>
             <a:fld id="{B59CE501-2A04-4213-AF2C-9D22AC1421F1}" type="datetimeFigureOut">
               <a:rPr lang="en-US" smtClean="0"/>
-              <a:t>1/19/2025</a:t>
+              <a:t>1/25/2025</a:t>
             </a:fld>
             <a:endParaRPr lang="en-US"/>
           </a:p>
@@ -5059,7 +5059,7 @@
           <a:p>
             <a:fld id="{B59CE501-2A04-4213-AF2C-9D22AC1421F1}" type="datetimeFigureOut">
               <a:rPr lang="en-US" smtClean="0"/>
-              <a:t>1/19/2025</a:t>
+              <a:t>1/25/2025</a:t>
             </a:fld>
             <a:endParaRPr lang="en-US"/>
           </a:p>
@@ -28369,7 +28369,7 @@
         <p:spPr>
           <a:xfrm>
             <a:off x="278256" y="2065145"/>
-            <a:ext cx="6053114" cy="3258091"/>
+            <a:ext cx="10953162" cy="3258091"/>
           </a:xfrm>
         </p:spPr>
         <p:txBody>
@@ -28397,7 +28397,7 @@
                 <a:latin typeface="Times New Roman" panose="02020603050405020304" pitchFamily="18" charset="0"/>
                 <a:cs typeface="Times New Roman" panose="02020603050405020304" pitchFamily="18" charset="0"/>
               </a:rPr>
-              <a:t>Evaluated six algorithms (RK4, RK8, ODE45, ODE78, ODE113, MPCI) with constant step size and the first equation of motion.</a:t>
+              <a:t>Phase one assessed six state propagation algorithms (RK4, RK8, ODE45, ODE78, ODE113, MPCI) with constant step size and the first equation of motion.</a:t>
             </a:r>
           </a:p>
           <a:p>
@@ -28410,7 +28410,7 @@
                 <a:latin typeface="Times New Roman" panose="02020603050405020304" pitchFamily="18" charset="0"/>
                 <a:cs typeface="Times New Roman" panose="02020603050405020304" pitchFamily="18" charset="0"/>
               </a:rPr>
-              <a:t>Objectives of Phase Two:</a:t>
+              <a:t>Focus of Phase Two:</a:t>
             </a:r>
             <a:endParaRPr kumimoji="0" lang="en-IL" altLang="en-IL" sz="2000" b="0" i="0" u="none" strike="noStrike" cap="none" normalizeH="0" baseline="0" dirty="0">
               <a:ln>
@@ -28437,6 +28437,40 @@
               </a:spcAft>
             </a:pPr>
             <a:r>
+              <a:rPr lang="en-GB" sz="2000" dirty="0">
+                <a:latin typeface="Times New Roman" panose="02020603050405020304" pitchFamily="18" charset="0"/>
+                <a:cs typeface="Times New Roman" panose="02020603050405020304" pitchFamily="18" charset="0"/>
+              </a:rPr>
+              <a:t>Introduce dynamic step sizes to enhance computational accuracy and efficiency</a:t>
+            </a:r>
+            <a:r>
+              <a:rPr kumimoji="0" lang="en-IL" altLang="en-IL" sz="2800" i="0" u="none" strike="noStrike" cap="none" normalizeH="0" baseline="0" dirty="0">
+                <a:ln>
+                  <a:noFill/>
+                </a:ln>
+                <a:solidFill>
+                  <a:schemeClr val="tx1"/>
+                </a:solidFill>
+                <a:effectLst/>
+                <a:latin typeface="Times New Roman" panose="02020603050405020304" pitchFamily="18" charset="0"/>
+                <a:cs typeface="Times New Roman" panose="02020603050405020304" pitchFamily="18" charset="0"/>
+              </a:rPr>
+              <a:t>.</a:t>
+            </a:r>
+          </a:p>
+          <a:p>
+            <a:pPr lvl="1" eaLnBrk="0" fontAlgn="base" hangingPunct="0">
+              <a:lnSpc>
+                <a:spcPct val="100000"/>
+              </a:lnSpc>
+              <a:spcBef>
+                <a:spcPct val="0"/>
+              </a:spcBef>
+              <a:spcAft>
+                <a:spcPct val="0"/>
+              </a:spcAft>
+            </a:pPr>
+            <a:r>
               <a:rPr kumimoji="0" lang="en-IL" altLang="en-IL" sz="2000" b="0" i="0" u="none" strike="noStrike" cap="none" normalizeH="0" baseline="0" dirty="0">
                 <a:ln>
                   <a:noFill/>
@@ -28448,21 +28482,22 @@
                 <a:latin typeface="Times New Roman" panose="02020603050405020304" pitchFamily="18" charset="0"/>
                 <a:cs typeface="Times New Roman" panose="02020603050405020304" pitchFamily="18" charset="0"/>
               </a:rPr>
-              <a:t>Refine algorithms with dynamic step sizes.</a:t>
-            </a:r>
-          </a:p>
-          <a:p>
-            <a:pPr lvl="1" eaLnBrk="0" fontAlgn="base" hangingPunct="0">
-              <a:lnSpc>
-                <a:spcPct val="100000"/>
-              </a:lnSpc>
-              <a:spcBef>
-                <a:spcPct val="0"/>
-              </a:spcBef>
-              <a:spcAft>
-                <a:spcPct val="0"/>
-              </a:spcAft>
-            </a:pPr>
+              <a:t>I</a:t>
+            </a:r>
+            <a:r>
+              <a:rPr kumimoji="0" lang="en-US" altLang="en-IL" sz="2000" b="0" i="0" u="none" strike="noStrike" cap="none" normalizeH="0" baseline="0" dirty="0">
+                <a:ln>
+                  <a:noFill/>
+                </a:ln>
+                <a:solidFill>
+                  <a:schemeClr val="tx1"/>
+                </a:solidFill>
+                <a:effectLst/>
+                <a:latin typeface="Times New Roman" panose="02020603050405020304" pitchFamily="18" charset="0"/>
+                <a:cs typeface="Times New Roman" panose="02020603050405020304" pitchFamily="18" charset="0"/>
+              </a:rPr>
+              <a:t>integrate</a:t>
+            </a:r>
             <a:r>
               <a:rPr kumimoji="0" lang="en-IL" altLang="en-IL" sz="2000" b="0" i="0" u="none" strike="noStrike" cap="none" normalizeH="0" baseline="0" dirty="0">
                 <a:ln>
@@ -28475,8 +28510,33 @@
                 <a:latin typeface="Times New Roman" panose="02020603050405020304" pitchFamily="18" charset="0"/>
                 <a:cs typeface="Times New Roman" panose="02020603050405020304" pitchFamily="18" charset="0"/>
               </a:rPr>
-              <a:t>Incorporate realistic forces (drag, perturbations) </a:t>
-            </a:r>
+              <a:t> realistic forces (drag, perturbations)</a:t>
+            </a:r>
+            <a:r>
+              <a:rPr kumimoji="0" lang="en-US" altLang="en-IL" sz="2000" b="0" i="0" u="none" strike="noStrike" cap="none" normalizeH="0" baseline="0" dirty="0">
+                <a:ln>
+                  <a:noFill/>
+                </a:ln>
+                <a:solidFill>
+                  <a:schemeClr val="tx1"/>
+                </a:solidFill>
+                <a:effectLst/>
+                <a:latin typeface="Times New Roman" panose="02020603050405020304" pitchFamily="18" charset="0"/>
+                <a:cs typeface="Times New Roman" panose="02020603050405020304" pitchFamily="18" charset="0"/>
+              </a:rPr>
+              <a:t>.</a:t>
+            </a:r>
+            <a:endParaRPr kumimoji="0" lang="en-IL" altLang="en-IL" sz="2000" b="0" i="0" u="none" strike="noStrike" cap="none" normalizeH="0" baseline="0" dirty="0">
+              <a:ln>
+                <a:noFill/>
+              </a:ln>
+              <a:solidFill>
+                <a:schemeClr val="tx1"/>
+              </a:solidFill>
+              <a:effectLst/>
+              <a:latin typeface="Times New Roman" panose="02020603050405020304" pitchFamily="18" charset="0"/>
+              <a:cs typeface="Times New Roman" panose="02020603050405020304" pitchFamily="18" charset="0"/>
+            </a:endParaRPr>
           </a:p>
           <a:p>
             <a:pPr lvl="1"/>
@@ -28485,7 +28545,7 @@
                 <a:latin typeface="Times New Roman" panose="02020603050405020304" pitchFamily="18" charset="0"/>
                 <a:cs typeface="Times New Roman" panose="02020603050405020304" pitchFamily="18" charset="0"/>
               </a:rPr>
-              <a:t>test in resource-constrained environments</a:t>
+              <a:t>Test in resource-constrained environments</a:t>
             </a:r>
           </a:p>
           <a:p>
@@ -31123,59 +31183,6 @@
       </p:grpSpPr>
       <p:sp>
         <p:nvSpPr>
-          <p:cNvPr id="2" name="כותרת 1">
-            <a:extLst>
-              <a:ext uri="{FF2B5EF4-FFF2-40B4-BE49-F238E27FC236}">
-                <a16:creationId xmlns:a16="http://schemas.microsoft.com/office/drawing/2014/main" id="{F05DF143-DAD3-F478-84CB-4191F0579509}"/>
-              </a:ext>
-            </a:extLst>
-          </p:cNvPr>
-          <p:cNvSpPr>
-            <a:spLocks noGrp="1"/>
-          </p:cNvSpPr>
-          <p:nvPr>
-            <p:ph type="title"/>
-          </p:nvPr>
-        </p:nvSpPr>
-        <p:spPr>
-          <a:xfrm>
-            <a:off x="176851" y="789544"/>
-            <a:ext cx="10515600" cy="1325563"/>
-          </a:xfrm>
-        </p:spPr>
-        <p:txBody>
-          <a:bodyPr>
-            <a:normAutofit/>
-          </a:bodyPr>
-          <a:lstStyle/>
-          <a:p>
-            <a:r>
-              <a:rPr lang="he-IL" sz="4800" b="1" dirty="0">
-                <a:latin typeface="Calibri Light" panose="020F0302020204030204" pitchFamily="34" charset="0"/>
-                <a:ea typeface="Yu Gothic Light" panose="020B0300000000000000" pitchFamily="34" charset="-128"/>
-              </a:rPr>
-              <a:t>Background</a:t>
-            </a:r>
-            <a:r>
-              <a:rPr lang="en-US" sz="4800" b="1" dirty="0">
-                <a:latin typeface="Calibri Light" panose="020F0302020204030204" pitchFamily="34" charset="0"/>
-                <a:ea typeface="Yu Gothic Light" panose="020B0300000000000000" pitchFamily="34" charset="-128"/>
-              </a:rPr>
-              <a:t> &amp; </a:t>
-            </a:r>
-            <a:r>
-              <a:rPr lang="en-US" sz="4800" b="1" dirty="0"/>
-              <a:t>Related Work</a:t>
-            </a:r>
-            <a:endParaRPr lang="he-IL" sz="4800" b="1" dirty="0">
-              <a:latin typeface="Calibri Light" panose="020F0302020204030204" pitchFamily="34" charset="0"/>
-              <a:ea typeface="Yu Gothic Light" panose="020B0300000000000000" pitchFamily="34" charset="-128"/>
-            </a:endParaRPr>
-          </a:p>
-        </p:txBody>
-      </p:sp>
-      <p:sp>
-        <p:nvSpPr>
           <p:cNvPr id="3" name="מציין מיקום תוכן 2">
             <a:extLst>
               <a:ext uri="{FF2B5EF4-FFF2-40B4-BE49-F238E27FC236}">
@@ -31192,13 +31199,13 @@
         </p:nvSpPr>
         <p:spPr>
           <a:xfrm>
-            <a:off x="594054" y="2109337"/>
-            <a:ext cx="7473787" cy="3094019"/>
+            <a:off x="594054" y="1520513"/>
+            <a:ext cx="8207117" cy="3816974"/>
           </a:xfrm>
         </p:spPr>
         <p:txBody>
           <a:bodyPr>
-            <a:normAutofit lnSpcReduction="10000"/>
+            <a:normAutofit/>
           </a:bodyPr>
           <a:lstStyle/>
           <a:p>
@@ -31207,28 +31214,33 @@
               <a:buChar char="•"/>
             </a:pPr>
             <a:r>
-              <a:rPr lang="en-US" dirty="0"/>
+              <a:rPr lang="en-US" dirty="0">
+                <a:cs typeface="+mj-cs"/>
+              </a:rPr>
               <a:t>Phase Two:</a:t>
             </a:r>
           </a:p>
           <a:p>
             <a:pPr lvl="1"/>
             <a:r>
-              <a:rPr lang="en-US" dirty="0">
-                <a:latin typeface="Arial" panose="020B0604020202020204" pitchFamily="34" charset="0"/>
+              <a:rPr lang="en-GB" dirty="0">
+                <a:latin typeface="Times New Roman" panose="02020603050405020304" pitchFamily="18" charset="0"/>
+                <a:cs typeface="Times New Roman" panose="02020603050405020304" pitchFamily="18" charset="0"/>
               </a:rPr>
-              <a:t>Introduces </a:t>
-            </a:r>
-            <a:r>
-              <a:rPr lang="en-GB" dirty="0"/>
-              <a:t>dynamic step sizes and Gauss-</a:t>
-            </a:r>
-            <a:r>
-              <a:rPr lang="en-GB" dirty="0" err="1"/>
+              <a:t>Transition from constant to dynamic step sizes using Gauss-</a:t>
+            </a:r>
+            <a:r>
+              <a:rPr lang="en-GB" dirty="0" err="1">
+                <a:latin typeface="Times New Roman" panose="02020603050405020304" pitchFamily="18" charset="0"/>
+                <a:cs typeface="Times New Roman" panose="02020603050405020304" pitchFamily="18" charset="0"/>
+              </a:rPr>
               <a:t>Lobatto</a:t>
             </a:r>
             <a:r>
-              <a:rPr lang="en-GB" dirty="0"/>
+              <a:rPr lang="en-GB" dirty="0">
+                <a:latin typeface="Times New Roman" panose="02020603050405020304" pitchFamily="18" charset="0"/>
+                <a:cs typeface="Times New Roman" panose="02020603050405020304" pitchFamily="18" charset="0"/>
+              </a:rPr>
               <a:t> quadrature</a:t>
             </a:r>
             <a:r>
@@ -31241,6 +31253,7 @@
                 </a:solidFill>
                 <a:effectLst/>
                 <a:latin typeface="Arial" panose="020B0604020202020204" pitchFamily="34" charset="0"/>
+                <a:cs typeface="+mj-cs"/>
               </a:rPr>
               <a:t>.</a:t>
             </a:r>
@@ -31253,20 +31266,27 @@
               </a:solidFill>
               <a:effectLst/>
               <a:latin typeface="Arial" panose="020B0604020202020204" pitchFamily="34" charset="0"/>
+              <a:cs typeface="+mj-cs"/>
             </a:endParaRPr>
           </a:p>
           <a:p>
             <a:pPr lvl="1"/>
             <a:r>
-              <a:rPr lang="en-US" dirty="0"/>
-              <a:t>Custom Ode78 as a baseline </a:t>
+              <a:rPr lang="en-GB" dirty="0">
+                <a:latin typeface="Times New Roman" panose="02020603050405020304" pitchFamily="18" charset="0"/>
+                <a:cs typeface="Times New Roman" panose="02020603050405020304" pitchFamily="18" charset="0"/>
+              </a:rPr>
+              <a:t>Customized ODE78 serves as the baseline</a:t>
             </a:r>
           </a:p>
           <a:p>
             <a:pPr lvl="1"/>
             <a:r>
-              <a:rPr lang="en-US" dirty="0"/>
-              <a:t>Incorporates realistic forces (drag, perturbations) (second equation of motion)</a:t>
+              <a:rPr lang="en-GB" dirty="0">
+                <a:latin typeface="Times New Roman" panose="02020603050405020304" pitchFamily="18" charset="0"/>
+                <a:cs typeface="Times New Roman" panose="02020603050405020304" pitchFamily="18" charset="0"/>
+              </a:rPr>
+              <a:t>Incorporates external forces: drag and perturbations (second equation of motion)</a:t>
             </a:r>
           </a:p>
           <a:p>
@@ -31284,13 +31304,13 @@
             <a:r>
               <a:rPr lang="en-US" dirty="0">
                 <a:latin typeface="Times New Roman" panose="02020603050405020304" pitchFamily="18" charset="0"/>
-                <a:cs typeface="Times New Roman" panose="02020603050405020304" pitchFamily="18" charset="0"/>
+                <a:cs typeface="+mj-cs"/>
               </a:rPr>
               <a:t>VM Simulation</a:t>
             </a:r>
             <a:endParaRPr lang="he-IL" dirty="0">
               <a:latin typeface="Times New Roman" panose="02020603050405020304" pitchFamily="18" charset="0"/>
-              <a:cs typeface="Times New Roman" panose="02020603050405020304" pitchFamily="18" charset="0"/>
+              <a:cs typeface="+mj-cs"/>
             </a:endParaRPr>
           </a:p>
         </p:txBody>
@@ -32519,7 +32539,7 @@
         </p:blipFill>
         <p:spPr>
           <a:xfrm>
-            <a:off x="8067841" y="2912409"/>
+            <a:off x="8182359" y="4422499"/>
             <a:ext cx="3999506" cy="1054665"/>
           </a:xfrm>
           <a:prstGeom prst="rect">
@@ -32701,30 +32721,17 @@
                 <a:latin typeface="Times New Roman" panose="02020603050405020304" pitchFamily="18" charset="0"/>
                 <a:cs typeface="Times New Roman" panose="02020603050405020304" pitchFamily="18" charset="0"/>
               </a:rPr>
-              <a:t>Refine algorithms from Phase One for greater accuracy and efficiency</a:t>
-            </a:r>
-          </a:p>
-          <a:p>
+              <a:t>Achieve higher accuracy and computational efficiency by refining Phase One algorithms</a:t>
+            </a:r>
+          </a:p>
+          <a:p>
+            <a:pPr algn="l" rtl="0"/>
             <a:r>
               <a:rPr lang="en-GB" sz="2400" dirty="0">
                 <a:latin typeface="Times New Roman" panose="02020603050405020304" pitchFamily="18" charset="0"/>
                 <a:cs typeface="Times New Roman" panose="02020603050405020304" pitchFamily="18" charset="0"/>
               </a:rPr>
-              <a:t>Implement and </a:t>
-            </a:r>
-            <a:r>
-              <a:rPr lang="en-GB" sz="2400" dirty="0" err="1">
-                <a:latin typeface="Times New Roman" panose="02020603050405020304" pitchFamily="18" charset="0"/>
-                <a:cs typeface="Times New Roman" panose="02020603050405020304" pitchFamily="18" charset="0"/>
-              </a:rPr>
-              <a:t>analyze</a:t>
-            </a:r>
-            <a:r>
-              <a:rPr lang="en-GB" sz="2400" dirty="0">
-                <a:latin typeface="Times New Roman" panose="02020603050405020304" pitchFamily="18" charset="0"/>
-                <a:cs typeface="Times New Roman" panose="02020603050405020304" pitchFamily="18" charset="0"/>
-              </a:rPr>
-              <a:t> the Adaptive Picard-Chebyshev Iteration (APCI)</a:t>
+              <a:t>Implement and analyse the Adaptive Picard-Chebyshev Iteration (APCI)</a:t>
             </a:r>
           </a:p>
           <a:p>
@@ -32744,8 +32751,12 @@
                 <a:latin typeface="Times New Roman" panose="02020603050405020304" pitchFamily="18" charset="0"/>
                 <a:cs typeface="Times New Roman" panose="02020603050405020304" pitchFamily="18" charset="0"/>
               </a:rPr>
-              <a:t>Getting a visual graphs for each satellite and the running algorithms </a:t>
-            </a:r>
+              <a:t>Generate visual comparisons of satellite trajectories and algorithm performance</a:t>
+            </a:r>
+            <a:endParaRPr lang="en-GB" sz="3600" dirty="0">
+              <a:latin typeface="Times New Roman" panose="02020603050405020304" pitchFamily="18" charset="0"/>
+              <a:cs typeface="Times New Roman" panose="02020603050405020304" pitchFamily="18" charset="0"/>
+            </a:endParaRPr>
           </a:p>
         </p:txBody>
       </p:sp>
